--- a/figures/figure_06.pptx
+++ b/figures/figure_06.pptx
@@ -115,7 +115,7 @@
 <file path=ppt/revisionInfo.xml><?xml version="1.0" encoding="utf-8"?>
 <p1510:revInfo xmlns:a="http://schemas.openxmlformats.org/drawingml/2006/main" xmlns:r="http://schemas.openxmlformats.org/officeDocument/2006/relationships" xmlns:p1510="http://schemas.microsoft.com/office/powerpoint/2015/10/main">
   <p1510:revLst>
-    <p1510:client id="{3684E53A-F8E0-492D-8751-FEA0AE99B5E2}" v="18" dt="2025-11-17T17:14:17.999"/>
+    <p1510:client id="{3684E53A-F8E0-492D-8751-FEA0AE99B5E2}" v="25" dt="2025-11-24T15:25:24.265"/>
   </p1510:revLst>
 </p1510:revInfo>
 </file>
@@ -125,30 +125,46 @@
   <pc:docChgLst>
     <pc:chgData name="Gilbert, Neil" userId="37be9f5c-8f28-415b-96d6-624acf93bb3f" providerId="ADAL" clId="{18ED56B6-1921-416C-9A28-3F6F3C8390B5}"/>
     <pc:docChg chg="undo custSel modSld">
-      <pc:chgData name="Gilbert, Neil" userId="37be9f5c-8f28-415b-96d6-624acf93bb3f" providerId="ADAL" clId="{18ED56B6-1921-416C-9A28-3F6F3C8390B5}" dt="2025-11-17T17:15:53.357" v="488" actId="14100"/>
+      <pc:chgData name="Gilbert, Neil" userId="37be9f5c-8f28-415b-96d6-624acf93bb3f" providerId="ADAL" clId="{18ED56B6-1921-416C-9A28-3F6F3C8390B5}" dt="2025-11-24T15:26:01.723" v="733" actId="14100"/>
       <pc:docMkLst>
         <pc:docMk/>
       </pc:docMkLst>
       <pc:sldChg chg="addSp delSp modSp mod">
-        <pc:chgData name="Gilbert, Neil" userId="37be9f5c-8f28-415b-96d6-624acf93bb3f" providerId="ADAL" clId="{18ED56B6-1921-416C-9A28-3F6F3C8390B5}" dt="2025-11-17T17:15:53.357" v="488" actId="14100"/>
+        <pc:chgData name="Gilbert, Neil" userId="37be9f5c-8f28-415b-96d6-624acf93bb3f" providerId="ADAL" clId="{18ED56B6-1921-416C-9A28-3F6F3C8390B5}" dt="2025-11-24T15:26:01.723" v="733" actId="14100"/>
         <pc:sldMkLst>
           <pc:docMk/>
           <pc:sldMk cId="4043528045" sldId="256"/>
         </pc:sldMkLst>
         <pc:spChg chg="add mod">
-          <ac:chgData name="Gilbert, Neil" userId="37be9f5c-8f28-415b-96d6-624acf93bb3f" providerId="ADAL" clId="{18ED56B6-1921-416C-9A28-3F6F3C8390B5}" dt="2025-11-17T16:55:04.845" v="105" actId="1076"/>
+          <ac:chgData name="Gilbert, Neil" userId="37be9f5c-8f28-415b-96d6-624acf93bb3f" providerId="ADAL" clId="{18ED56B6-1921-416C-9A28-3F6F3C8390B5}" dt="2025-11-24T15:19:32.122" v="589" actId="1076"/>
           <ac:spMkLst>
             <pc:docMk/>
             <pc:sldMk cId="4043528045" sldId="256"/>
             <ac:spMk id="6" creationId="{E6271523-F8A6-262D-A000-2688B873EC19}"/>
           </ac:spMkLst>
         </pc:spChg>
-        <pc:spChg chg="add mod">
-          <ac:chgData name="Gilbert, Neil" userId="37be9f5c-8f28-415b-96d6-624acf93bb3f" providerId="ADAL" clId="{18ED56B6-1921-416C-9A28-3F6F3C8390B5}" dt="2025-11-17T17:15:53.357" v="488" actId="14100"/>
+        <pc:spChg chg="add del mod">
+          <ac:chgData name="Gilbert, Neil" userId="37be9f5c-8f28-415b-96d6-624acf93bb3f" providerId="ADAL" clId="{18ED56B6-1921-416C-9A28-3F6F3C8390B5}" dt="2025-11-24T15:19:33.348" v="590" actId="478"/>
           <ac:spMkLst>
             <pc:docMk/>
             <pc:sldMk cId="4043528045" sldId="256"/>
             <ac:spMk id="7" creationId="{EF871D36-BDBB-9A29-97E5-A71496C45A2A}"/>
+          </ac:spMkLst>
+        </pc:spChg>
+        <pc:spChg chg="mod">
+          <ac:chgData name="Gilbert, Neil" userId="37be9f5c-8f28-415b-96d6-624acf93bb3f" providerId="ADAL" clId="{18ED56B6-1921-416C-9A28-3F6F3C8390B5}" dt="2025-11-24T15:14:26.841" v="568" actId="14100"/>
+          <ac:spMkLst>
+            <pc:docMk/>
+            <pc:sldMk cId="4043528045" sldId="256"/>
+            <ac:spMk id="10" creationId="{D4EE4BD3-5201-87D6-64FE-52F86673ADA8}"/>
+          </ac:spMkLst>
+        </pc:spChg>
+        <pc:spChg chg="mod">
+          <ac:chgData name="Gilbert, Neil" userId="37be9f5c-8f28-415b-96d6-624acf93bb3f" providerId="ADAL" clId="{18ED56B6-1921-416C-9A28-3F6F3C8390B5}" dt="2025-11-24T15:14:50.260" v="572" actId="1076"/>
+          <ac:spMkLst>
+            <pc:docMk/>
+            <pc:sldMk cId="4043528045" sldId="256"/>
+            <ac:spMk id="11" creationId="{3A5C0721-7D2E-F25B-770C-2347F90A5666}"/>
           </ac:spMkLst>
         </pc:spChg>
         <pc:spChg chg="mod">
@@ -160,7 +176,15 @@
           </ac:spMkLst>
         </pc:spChg>
         <pc:spChg chg="add mod">
-          <ac:chgData name="Gilbert, Neil" userId="37be9f5c-8f28-415b-96d6-624acf93bb3f" providerId="ADAL" clId="{18ED56B6-1921-416C-9A28-3F6F3C8390B5}" dt="2025-11-17T17:13:14.941" v="427" actId="1076"/>
+          <ac:chgData name="Gilbert, Neil" userId="37be9f5c-8f28-415b-96d6-624acf93bb3f" providerId="ADAL" clId="{18ED56B6-1921-416C-9A28-3F6F3C8390B5}" dt="2025-11-24T15:20:02.096" v="596" actId="692"/>
+          <ac:spMkLst>
+            <pc:docMk/>
+            <pc:sldMk cId="4043528045" sldId="256"/>
+            <ac:spMk id="13" creationId="{E4A6A06D-CBA6-AD3F-D6F2-BC63813FFB55}"/>
+          </ac:spMkLst>
+        </pc:spChg>
+        <pc:spChg chg="add mod">
+          <ac:chgData name="Gilbert, Neil" userId="37be9f5c-8f28-415b-96d6-624acf93bb3f" providerId="ADAL" clId="{18ED56B6-1921-416C-9A28-3F6F3C8390B5}" dt="2025-11-24T15:22:15.792" v="632" actId="1076"/>
           <ac:spMkLst>
             <pc:docMk/>
             <pc:sldMk cId="4043528045" sldId="256"/>
@@ -168,31 +192,63 @@
           </ac:spMkLst>
         </pc:spChg>
         <pc:spChg chg="add mod">
-          <ac:chgData name="Gilbert, Neil" userId="37be9f5c-8f28-415b-96d6-624acf93bb3f" providerId="ADAL" clId="{18ED56B6-1921-416C-9A28-3F6F3C8390B5}" dt="2025-11-17T16:56:54.875" v="159" actId="14100"/>
+          <ac:chgData name="Gilbert, Neil" userId="37be9f5c-8f28-415b-96d6-624acf93bb3f" providerId="ADAL" clId="{18ED56B6-1921-416C-9A28-3F6F3C8390B5}" dt="2025-11-24T15:22:09.568" v="630" actId="1076"/>
           <ac:spMkLst>
             <pc:docMk/>
             <pc:sldMk cId="4043528045" sldId="256"/>
             <ac:spMk id="17" creationId="{089F86C2-7DFE-4015-E3F2-6EE49851D45A}"/>
           </ac:spMkLst>
         </pc:spChg>
+        <pc:spChg chg="mod">
+          <ac:chgData name="Gilbert, Neil" userId="37be9f5c-8f28-415b-96d6-624acf93bb3f" providerId="ADAL" clId="{18ED56B6-1921-416C-9A28-3F6F3C8390B5}" dt="2025-11-24T15:15:02.391" v="573" actId="14100"/>
+          <ac:spMkLst>
+            <pc:docMk/>
+            <pc:sldMk cId="4043528045" sldId="256"/>
+            <ac:spMk id="20" creationId="{D530DB96-8830-FB74-650D-46B053726277}"/>
+          </ac:spMkLst>
+        </pc:spChg>
+        <pc:spChg chg="mod">
+          <ac:chgData name="Gilbert, Neil" userId="37be9f5c-8f28-415b-96d6-624acf93bb3f" providerId="ADAL" clId="{18ED56B6-1921-416C-9A28-3F6F3C8390B5}" dt="2025-11-24T15:15:17.059" v="577" actId="1076"/>
+          <ac:spMkLst>
+            <pc:docMk/>
+            <pc:sldMk cId="4043528045" sldId="256"/>
+            <ac:spMk id="21" creationId="{45E977EE-6F5A-C0C4-1832-1177EEC57CBD}"/>
+          </ac:spMkLst>
+        </pc:spChg>
+        <pc:spChg chg="mod">
+          <ac:chgData name="Gilbert, Neil" userId="37be9f5c-8f28-415b-96d6-624acf93bb3f" providerId="ADAL" clId="{18ED56B6-1921-416C-9A28-3F6F3C8390B5}" dt="2025-11-24T15:26:01.723" v="733" actId="14100"/>
+          <ac:spMkLst>
+            <pc:docMk/>
+            <pc:sldMk cId="4043528045" sldId="256"/>
+            <ac:spMk id="22" creationId="{F2156A15-7AE9-B343-DD62-AAC3ADED2C2B}"/>
+          </ac:spMkLst>
+        </pc:spChg>
+        <pc:spChg chg="add mod">
+          <ac:chgData name="Gilbert, Neil" userId="37be9f5c-8f28-415b-96d6-624acf93bb3f" providerId="ADAL" clId="{18ED56B6-1921-416C-9A28-3F6F3C8390B5}" dt="2025-11-24T15:21:53.780" v="628" actId="1076"/>
+          <ac:spMkLst>
+            <pc:docMk/>
+            <pc:sldMk cId="4043528045" sldId="256"/>
+            <ac:spMk id="25" creationId="{9A9FB039-71F6-E282-3BA9-691A899841CC}"/>
+          </ac:spMkLst>
+        </pc:spChg>
         <pc:spChg chg="add mod ord">
-          <ac:chgData name="Gilbert, Neil" userId="37be9f5c-8f28-415b-96d6-624acf93bb3f" providerId="ADAL" clId="{18ED56B6-1921-416C-9A28-3F6F3C8390B5}" dt="2025-11-17T16:59:18.364" v="198" actId="207"/>
+          <ac:chgData name="Gilbert, Neil" userId="37be9f5c-8f28-415b-96d6-624acf93bb3f" providerId="ADAL" clId="{18ED56B6-1921-416C-9A28-3F6F3C8390B5}" dt="2025-11-24T15:20:27.992" v="600" actId="1076"/>
           <ac:spMkLst>
             <pc:docMk/>
             <pc:sldMk cId="4043528045" sldId="256"/>
             <ac:spMk id="29" creationId="{402F11D7-C80D-C159-3A84-4ADE393FDFED}"/>
           </ac:spMkLst>
         </pc:spChg>
-        <pc:spChg chg="add del">
-          <ac:chgData name="Gilbert, Neil" userId="37be9f5c-8f28-415b-96d6-624acf93bb3f" providerId="ADAL" clId="{18ED56B6-1921-416C-9A28-3F6F3C8390B5}" dt="2025-11-17T16:58:29.146" v="187" actId="478"/>
+        <pc:spChg chg="add mod">
+          <ac:chgData name="Gilbert, Neil" userId="37be9f5c-8f28-415b-96d6-624acf93bb3f" providerId="ADAL" clId="{18ED56B6-1921-416C-9A28-3F6F3C8390B5}" dt="2025-11-24T15:22:59.938" v="665" actId="1035"/>
           <ac:spMkLst>
             <pc:docMk/>
             <pc:sldMk cId="4043528045" sldId="256"/>
-            <ac:spMk id="30" creationId="{15C3F306-50A3-A074-FAC3-D2F0525F28CC}"/>
+            <ac:spMk id="30" creationId="{FC537EA4-C357-4D77-3454-4CB70A57AAD2}"/>
           </ac:spMkLst>
         </pc:spChg>
         <pc:spChg chg="add mod">
-          <ac:chgData name="Gilbert, Neil" userId="37be9f5c-8f28-415b-96d6-624acf93bb3f" providerId="ADAL" clId="{18ED56B6-1921-416C-9A28-3F6F3C8390B5}" dt="2025-11-17T17:01:46.590" v="285" actId="692"/>
+          <ac:chgData name="Gilbert, Neil" userId="37be9f5c-8f28-415b-96d6-624acf93bb3f" providerId="ADAL" clId="{18ED56B6-1921-416C-9A28-3F6F3C8390B5}" dt="2025-11-24T15:20:42.381" v="605" actId="14100"/>
           <ac:spMkLst>
             <pc:docMk/>
             <pc:sldMk cId="4043528045" sldId="256"/>
@@ -200,7 +256,7 @@
           </ac:spMkLst>
         </pc:spChg>
         <pc:spChg chg="add mod">
-          <ac:chgData name="Gilbert, Neil" userId="37be9f5c-8f28-415b-96d6-624acf93bb3f" providerId="ADAL" clId="{18ED56B6-1921-416C-9A28-3F6F3C8390B5}" dt="2025-11-17T17:11:31.873" v="399" actId="1076"/>
+          <ac:chgData name="Gilbert, Neil" userId="37be9f5c-8f28-415b-96d6-624acf93bb3f" providerId="ADAL" clId="{18ED56B6-1921-416C-9A28-3F6F3C8390B5}" dt="2025-11-24T15:22:33.380" v="635" actId="1076"/>
           <ac:spMkLst>
             <pc:docMk/>
             <pc:sldMk cId="4043528045" sldId="256"/>
@@ -208,7 +264,7 @@
           </ac:spMkLst>
         </pc:spChg>
         <pc:spChg chg="add mod">
-          <ac:chgData name="Gilbert, Neil" userId="37be9f5c-8f28-415b-96d6-624acf93bb3f" providerId="ADAL" clId="{18ED56B6-1921-416C-9A28-3F6F3C8390B5}" dt="2025-11-17T17:11:41.457" v="401" actId="14100"/>
+          <ac:chgData name="Gilbert, Neil" userId="37be9f5c-8f28-415b-96d6-624acf93bb3f" providerId="ADAL" clId="{18ED56B6-1921-416C-9A28-3F6F3C8390B5}" dt="2025-11-24T15:21:21.686" v="610" actId="14100"/>
           <ac:spMkLst>
             <pc:docMk/>
             <pc:sldMk cId="4043528045" sldId="256"/>
@@ -216,23 +272,23 @@
           </ac:spMkLst>
         </pc:spChg>
         <pc:spChg chg="add mod">
-          <ac:chgData name="Gilbert, Neil" userId="37be9f5c-8f28-415b-96d6-624acf93bb3f" providerId="ADAL" clId="{18ED56B6-1921-416C-9A28-3F6F3C8390B5}" dt="2025-11-17T17:12:36.147" v="408" actId="1076"/>
+          <ac:chgData name="Gilbert, Neil" userId="37be9f5c-8f28-415b-96d6-624acf93bb3f" providerId="ADAL" clId="{18ED56B6-1921-416C-9A28-3F6F3C8390B5}" dt="2025-11-24T15:20:53.268" v="606" actId="1076"/>
           <ac:spMkLst>
             <pc:docMk/>
             <pc:sldMk cId="4043528045" sldId="256"/>
             <ac:spMk id="34" creationId="{75E53063-9788-871F-C392-701FFDC267CF}"/>
           </ac:spMkLst>
         </pc:spChg>
-        <pc:spChg chg="add mod">
-          <ac:chgData name="Gilbert, Neil" userId="37be9f5c-8f28-415b-96d6-624acf93bb3f" providerId="ADAL" clId="{18ED56B6-1921-416C-9A28-3F6F3C8390B5}" dt="2025-11-17T17:13:30.779" v="429" actId="1076"/>
+        <pc:spChg chg="add del mod">
+          <ac:chgData name="Gilbert, Neil" userId="37be9f5c-8f28-415b-96d6-624acf93bb3f" providerId="ADAL" clId="{18ED56B6-1921-416C-9A28-3F6F3C8390B5}" dt="2025-11-24T15:15:24.593" v="579" actId="478"/>
           <ac:spMkLst>
             <pc:docMk/>
             <pc:sldMk cId="4043528045" sldId="256"/>
             <ac:spMk id="35" creationId="{9676F0A1-2827-6185-0340-158159904860}"/>
           </ac:spMkLst>
         </pc:spChg>
-        <pc:spChg chg="add mod">
-          <ac:chgData name="Gilbert, Neil" userId="37be9f5c-8f28-415b-96d6-624acf93bb3f" providerId="ADAL" clId="{18ED56B6-1921-416C-9A28-3F6F3C8390B5}" dt="2025-11-17T17:02:24.072" v="313" actId="1076"/>
+        <pc:spChg chg="add del mod">
+          <ac:chgData name="Gilbert, Neil" userId="37be9f5c-8f28-415b-96d6-624acf93bb3f" providerId="ADAL" clId="{18ED56B6-1921-416C-9A28-3F6F3C8390B5}" dt="2025-11-24T15:09:02.599" v="490" actId="478"/>
           <ac:spMkLst>
             <pc:docMk/>
             <pc:sldMk cId="4043528045" sldId="256"/>
@@ -240,7 +296,7 @@
           </ac:spMkLst>
         </pc:spChg>
         <pc:spChg chg="add mod">
-          <ac:chgData name="Gilbert, Neil" userId="37be9f5c-8f28-415b-96d6-624acf93bb3f" providerId="ADAL" clId="{18ED56B6-1921-416C-9A28-3F6F3C8390B5}" dt="2025-11-17T17:13:40.576" v="430" actId="1076"/>
+          <ac:chgData name="Gilbert, Neil" userId="37be9f5c-8f28-415b-96d6-624acf93bb3f" providerId="ADAL" clId="{18ED56B6-1921-416C-9A28-3F6F3C8390B5}" dt="2025-11-24T15:23:18.509" v="666" actId="1076"/>
           <ac:spMkLst>
             <pc:docMk/>
             <pc:sldMk cId="4043528045" sldId="256"/>
@@ -248,7 +304,7 @@
           </ac:spMkLst>
         </pc:spChg>
         <pc:spChg chg="add mod">
-          <ac:chgData name="Gilbert, Neil" userId="37be9f5c-8f28-415b-96d6-624acf93bb3f" providerId="ADAL" clId="{18ED56B6-1921-416C-9A28-3F6F3C8390B5}" dt="2025-11-17T17:14:00.471" v="431" actId="14100"/>
+          <ac:chgData name="Gilbert, Neil" userId="37be9f5c-8f28-415b-96d6-624acf93bb3f" providerId="ADAL" clId="{18ED56B6-1921-416C-9A28-3F6F3C8390B5}" dt="2025-11-24T15:23:33.516" v="680" actId="1036"/>
           <ac:spMkLst>
             <pc:docMk/>
             <pc:sldMk cId="4043528045" sldId="256"/>
@@ -256,7 +312,23 @@
           </ac:spMkLst>
         </pc:spChg>
         <pc:spChg chg="add mod">
-          <ac:chgData name="Gilbert, Neil" userId="37be9f5c-8f28-415b-96d6-624acf93bb3f" providerId="ADAL" clId="{18ED56B6-1921-416C-9A28-3F6F3C8390B5}" dt="2025-11-17T17:15:42.672" v="487" actId="1036"/>
+          <ac:chgData name="Gilbert, Neil" userId="37be9f5c-8f28-415b-96d6-624acf93bb3f" providerId="ADAL" clId="{18ED56B6-1921-416C-9A28-3F6F3C8390B5}" dt="2025-11-24T15:24:55.256" v="709" actId="14100"/>
+          <ac:spMkLst>
+            <pc:docMk/>
+            <pc:sldMk cId="4043528045" sldId="256"/>
+            <ac:spMk id="39" creationId="{9FD5D765-D0DE-5687-7A54-46621917591A}"/>
+          </ac:spMkLst>
+        </pc:spChg>
+        <pc:spChg chg="add mod">
+          <ac:chgData name="Gilbert, Neil" userId="37be9f5c-8f28-415b-96d6-624acf93bb3f" providerId="ADAL" clId="{18ED56B6-1921-416C-9A28-3F6F3C8390B5}" dt="2025-11-24T15:25:44.022" v="731" actId="14100"/>
+          <ac:spMkLst>
+            <pc:docMk/>
+            <pc:sldMk cId="4043528045" sldId="256"/>
+            <ac:spMk id="40" creationId="{C947D9EC-ECDA-74CA-E5B7-010A3950C60F}"/>
+          </ac:spMkLst>
+        </pc:spChg>
+        <pc:spChg chg="add mod">
+          <ac:chgData name="Gilbert, Neil" userId="37be9f5c-8f28-415b-96d6-624acf93bb3f" providerId="ADAL" clId="{18ED56B6-1921-416C-9A28-3F6F3C8390B5}" dt="2025-11-24T15:20:14.021" v="597" actId="1076"/>
           <ac:spMkLst>
             <pc:docMk/>
             <pc:sldMk cId="4043528045" sldId="256"/>
@@ -264,7 +336,7 @@
           </ac:spMkLst>
         </pc:spChg>
         <pc:spChg chg="add mod">
-          <ac:chgData name="Gilbert, Neil" userId="37be9f5c-8f28-415b-96d6-624acf93bb3f" providerId="ADAL" clId="{18ED56B6-1921-416C-9A28-3F6F3C8390B5}" dt="2025-11-17T17:14:56.063" v="474" actId="1035"/>
+          <ac:chgData name="Gilbert, Neil" userId="37be9f5c-8f28-415b-96d6-624acf93bb3f" providerId="ADAL" clId="{18ED56B6-1921-416C-9A28-3F6F3C8390B5}" dt="2025-11-24T15:21:09.479" v="608" actId="1076"/>
           <ac:spMkLst>
             <pc:docMk/>
             <pc:sldMk cId="4043528045" sldId="256"/>
@@ -272,47 +344,31 @@
           </ac:spMkLst>
         </pc:spChg>
         <pc:picChg chg="add del mod ord">
-          <ac:chgData name="Gilbert, Neil" userId="37be9f5c-8f28-415b-96d6-624acf93bb3f" providerId="ADAL" clId="{18ED56B6-1921-416C-9A28-3F6F3C8390B5}" dt="2025-11-17T16:53:09.052" v="9" actId="478"/>
+          <ac:chgData name="Gilbert, Neil" userId="37be9f5c-8f28-415b-96d6-624acf93bb3f" providerId="ADAL" clId="{18ED56B6-1921-416C-9A28-3F6F3C8390B5}" dt="2025-11-24T15:11:31.225" v="503" actId="478"/>
           <ac:picMkLst>
             <pc:docMk/>
             <pc:sldMk cId="4043528045" sldId="256"/>
-            <ac:picMk id="3" creationId="{C1221B6E-6CF5-9CB5-6D49-FF5370BB33B2}"/>
+            <ac:picMk id="3" creationId="{FE2083FC-D487-B0A4-F07C-8054EDB4D1A2}"/>
+          </ac:picMkLst>
+        </pc:picChg>
+        <pc:picChg chg="add del mod">
+          <ac:chgData name="Gilbert, Neil" userId="37be9f5c-8f28-415b-96d6-624acf93bb3f" providerId="ADAL" clId="{18ED56B6-1921-416C-9A28-3F6F3C8390B5}" dt="2025-11-24T15:12:53.758" v="507" actId="478"/>
+          <ac:picMkLst>
+            <pc:docMk/>
+            <pc:sldMk cId="4043528045" sldId="256"/>
+            <ac:picMk id="5" creationId="{163743B0-988B-4367-EA79-1EDEFE21386D}"/>
+          </ac:picMkLst>
+        </pc:picChg>
+        <pc:picChg chg="add mod ord">
+          <ac:chgData name="Gilbert, Neil" userId="37be9f5c-8f28-415b-96d6-624acf93bb3f" providerId="ADAL" clId="{18ED56B6-1921-416C-9A28-3F6F3C8390B5}" dt="2025-11-24T15:20:34.044" v="603" actId="1076"/>
+          <ac:picMkLst>
+            <pc:docMk/>
+            <pc:sldMk cId="4043528045" sldId="256"/>
+            <ac:picMk id="9" creationId="{84CCCECD-647E-27BD-6776-9762B63085AC}"/>
           </ac:picMkLst>
         </pc:picChg>
         <pc:picChg chg="add del mod ord">
-          <ac:chgData name="Gilbert, Neil" userId="37be9f5c-8f28-415b-96d6-624acf93bb3f" providerId="ADAL" clId="{18ED56B6-1921-416C-9A28-3F6F3C8390B5}" dt="2025-11-17T16:55:56.021" v="111" actId="478"/>
-          <ac:picMkLst>
-            <pc:docMk/>
-            <pc:sldMk cId="4043528045" sldId="256"/>
-            <ac:picMk id="5" creationId="{B11C3153-6FD9-4FCE-2AAE-69A4DB10DBBD}"/>
-          </ac:picMkLst>
-        </pc:picChg>
-        <pc:picChg chg="del">
-          <ac:chgData name="Gilbert, Neil" userId="37be9f5c-8f28-415b-96d6-624acf93bb3f" providerId="ADAL" clId="{18ED56B6-1921-416C-9A28-3F6F3C8390B5}" dt="2025-11-17T16:47:49.532" v="2" actId="478"/>
-          <ac:picMkLst>
-            <pc:docMk/>
-            <pc:sldMk cId="4043528045" sldId="256"/>
-            <ac:picMk id="9" creationId="{BE83B7CE-8D8F-CE1C-C18A-55DC9B19F382}"/>
-          </ac:picMkLst>
-        </pc:picChg>
-        <pc:picChg chg="add del mod ord">
-          <ac:chgData name="Gilbert, Neil" userId="37be9f5c-8f28-415b-96d6-624acf93bb3f" providerId="ADAL" clId="{18ED56B6-1921-416C-9A28-3F6F3C8390B5}" dt="2025-11-17T17:10:14.487" v="386" actId="478"/>
-          <ac:picMkLst>
-            <pc:docMk/>
-            <pc:sldMk cId="4043528045" sldId="256"/>
-            <ac:picMk id="13" creationId="{AF3FCEC1-950A-904C-F681-0A882BE836B3}"/>
-          </ac:picMkLst>
-        </pc:picChg>
-        <pc:picChg chg="add del mod ord">
-          <ac:chgData name="Gilbert, Neil" userId="37be9f5c-8f28-415b-96d6-624acf93bb3f" providerId="ADAL" clId="{18ED56B6-1921-416C-9A28-3F6F3C8390B5}" dt="2025-11-17T17:12:12.606" v="403" actId="478"/>
-          <ac:picMkLst>
-            <pc:docMk/>
-            <pc:sldMk cId="4043528045" sldId="256"/>
-            <ac:picMk id="40" creationId="{BDE8A97A-8894-6D36-2129-248DE00E8896}"/>
-          </ac:picMkLst>
-        </pc:picChg>
-        <pc:picChg chg="add mod ord">
-          <ac:chgData name="Gilbert, Neil" userId="37be9f5c-8f28-415b-96d6-624acf93bb3f" providerId="ADAL" clId="{18ED56B6-1921-416C-9A28-3F6F3C8390B5}" dt="2025-11-17T17:12:21.429" v="407" actId="167"/>
+          <ac:chgData name="Gilbert, Neil" userId="37be9f5c-8f28-415b-96d6-624acf93bb3f" providerId="ADAL" clId="{18ED56B6-1921-416C-9A28-3F6F3C8390B5}" dt="2025-11-24T15:08:57.978" v="489" actId="478"/>
           <ac:picMkLst>
             <pc:docMk/>
             <pc:sldMk cId="4043528045" sldId="256"/>
@@ -320,7 +376,15 @@
           </ac:picMkLst>
         </pc:picChg>
         <pc:cxnChg chg="mod">
-          <ac:chgData name="Gilbert, Neil" userId="37be9f5c-8f28-415b-96d6-624acf93bb3f" providerId="ADAL" clId="{18ED56B6-1921-416C-9A28-3F6F3C8390B5}" dt="2025-11-17T17:15:14.020" v="483" actId="1038"/>
+          <ac:chgData name="Gilbert, Neil" userId="37be9f5c-8f28-415b-96d6-624acf93bb3f" providerId="ADAL" clId="{18ED56B6-1921-416C-9A28-3F6F3C8390B5}" dt="2025-11-24T15:13:44.582" v="513" actId="14100"/>
+          <ac:cxnSpMkLst>
+            <pc:docMk/>
+            <pc:sldMk cId="4043528045" sldId="256"/>
+            <ac:cxnSpMk id="14" creationId="{ACAD4EF1-9A7B-C8BD-84AF-8B810BA53863}"/>
+          </ac:cxnSpMkLst>
+        </pc:cxnChg>
+        <pc:cxnChg chg="mod">
+          <ac:chgData name="Gilbert, Neil" userId="37be9f5c-8f28-415b-96d6-624acf93bb3f" providerId="ADAL" clId="{18ED56B6-1921-416C-9A28-3F6F3C8390B5}" dt="2025-11-24T15:14:15.507" v="566" actId="1037"/>
           <ac:cxnSpMkLst>
             <pc:docMk/>
             <pc:sldMk cId="4043528045" sldId="256"/>
@@ -328,15 +392,23 @@
           </ac:cxnSpMkLst>
         </pc:cxnChg>
         <pc:cxnChg chg="mod">
-          <ac:chgData name="Gilbert, Neil" userId="37be9f5c-8f28-415b-96d6-624acf93bb3f" providerId="ADAL" clId="{18ED56B6-1921-416C-9A28-3F6F3C8390B5}" dt="2025-11-17T17:15:20.011" v="485" actId="1037"/>
+          <ac:chgData name="Gilbert, Neil" userId="37be9f5c-8f28-415b-96d6-624acf93bb3f" providerId="ADAL" clId="{18ED56B6-1921-416C-9A28-3F6F3C8390B5}" dt="2025-11-24T15:14:12.497" v="565" actId="1037"/>
           <ac:cxnSpMkLst>
             <pc:docMk/>
             <pc:sldMk cId="4043528045" sldId="256"/>
             <ac:cxnSpMk id="23" creationId="{8BBA77F2-8A4B-512B-AC72-29C46A173141}"/>
           </ac:cxnSpMkLst>
         </pc:cxnChg>
+        <pc:cxnChg chg="mod">
+          <ac:chgData name="Gilbert, Neil" userId="37be9f5c-8f28-415b-96d6-624acf93bb3f" providerId="ADAL" clId="{18ED56B6-1921-416C-9A28-3F6F3C8390B5}" dt="2025-11-24T15:14:05.458" v="564" actId="1037"/>
+          <ac:cxnSpMkLst>
+            <pc:docMk/>
+            <pc:sldMk cId="4043528045" sldId="256"/>
+            <ac:cxnSpMk id="24" creationId="{8D3F3D05-DCAB-AF67-85F4-9D752FE5B91A}"/>
+          </ac:cxnSpMkLst>
+        </pc:cxnChg>
         <pc:cxnChg chg="add mod">
-          <ac:chgData name="Gilbert, Neil" userId="37be9f5c-8f28-415b-96d6-624acf93bb3f" providerId="ADAL" clId="{18ED56B6-1921-416C-9A28-3F6F3C8390B5}" dt="2025-11-17T17:01:51.016" v="286" actId="692"/>
+          <ac:chgData name="Gilbert, Neil" userId="37be9f5c-8f28-415b-96d6-624acf93bb3f" providerId="ADAL" clId="{18ED56B6-1921-416C-9A28-3F6F3C8390B5}" dt="2025-11-24T15:22:12.014" v="631" actId="14100"/>
           <ac:cxnSpMkLst>
             <pc:docMk/>
             <pc:sldMk cId="4043528045" sldId="256"/>
@@ -480,7 +552,7 @@
           <a:p>
             <a:fld id="{5F01C6C2-BAC9-472E-ACC5-FF5148ED4A35}" type="datetimeFigureOut">
               <a:rPr lang="en-US" smtClean="0"/>
-              <a:t>11/17/2025</a:t>
+              <a:t>11/24/2025</a:t>
             </a:fld>
             <a:endParaRPr lang="en-US"/>
           </a:p>
@@ -650,7 +722,7 @@
           <a:p>
             <a:fld id="{5F01C6C2-BAC9-472E-ACC5-FF5148ED4A35}" type="datetimeFigureOut">
               <a:rPr lang="en-US" smtClean="0"/>
-              <a:t>11/17/2025</a:t>
+              <a:t>11/24/2025</a:t>
             </a:fld>
             <a:endParaRPr lang="en-US"/>
           </a:p>
@@ -830,7 +902,7 @@
           <a:p>
             <a:fld id="{5F01C6C2-BAC9-472E-ACC5-FF5148ED4A35}" type="datetimeFigureOut">
               <a:rPr lang="en-US" smtClean="0"/>
-              <a:t>11/17/2025</a:t>
+              <a:t>11/24/2025</a:t>
             </a:fld>
             <a:endParaRPr lang="en-US"/>
           </a:p>
@@ -1000,7 +1072,7 @@
           <a:p>
             <a:fld id="{5F01C6C2-BAC9-472E-ACC5-FF5148ED4A35}" type="datetimeFigureOut">
               <a:rPr lang="en-US" smtClean="0"/>
-              <a:t>11/17/2025</a:t>
+              <a:t>11/24/2025</a:t>
             </a:fld>
             <a:endParaRPr lang="en-US"/>
           </a:p>
@@ -1246,7 +1318,7 @@
           <a:p>
             <a:fld id="{5F01C6C2-BAC9-472E-ACC5-FF5148ED4A35}" type="datetimeFigureOut">
               <a:rPr lang="en-US" smtClean="0"/>
-              <a:t>11/17/2025</a:t>
+              <a:t>11/24/2025</a:t>
             </a:fld>
             <a:endParaRPr lang="en-US"/>
           </a:p>
@@ -1478,7 +1550,7 @@
           <a:p>
             <a:fld id="{5F01C6C2-BAC9-472E-ACC5-FF5148ED4A35}" type="datetimeFigureOut">
               <a:rPr lang="en-US" smtClean="0"/>
-              <a:t>11/17/2025</a:t>
+              <a:t>11/24/2025</a:t>
             </a:fld>
             <a:endParaRPr lang="en-US"/>
           </a:p>
@@ -1845,7 +1917,7 @@
           <a:p>
             <a:fld id="{5F01C6C2-BAC9-472E-ACC5-FF5148ED4A35}" type="datetimeFigureOut">
               <a:rPr lang="en-US" smtClean="0"/>
-              <a:t>11/17/2025</a:t>
+              <a:t>11/24/2025</a:t>
             </a:fld>
             <a:endParaRPr lang="en-US"/>
           </a:p>
@@ -1963,7 +2035,7 @@
           <a:p>
             <a:fld id="{5F01C6C2-BAC9-472E-ACC5-FF5148ED4A35}" type="datetimeFigureOut">
               <a:rPr lang="en-US" smtClean="0"/>
-              <a:t>11/17/2025</a:t>
+              <a:t>11/24/2025</a:t>
             </a:fld>
             <a:endParaRPr lang="en-US"/>
           </a:p>
@@ -2058,7 +2130,7 @@
           <a:p>
             <a:fld id="{5F01C6C2-BAC9-472E-ACC5-FF5148ED4A35}" type="datetimeFigureOut">
               <a:rPr lang="en-US" smtClean="0"/>
-              <a:t>11/17/2025</a:t>
+              <a:t>11/24/2025</a:t>
             </a:fld>
             <a:endParaRPr lang="en-US"/>
           </a:p>
@@ -2335,7 +2407,7 @@
           <a:p>
             <a:fld id="{5F01C6C2-BAC9-472E-ACC5-FF5148ED4A35}" type="datetimeFigureOut">
               <a:rPr lang="en-US" smtClean="0"/>
-              <a:t>11/17/2025</a:t>
+              <a:t>11/24/2025</a:t>
             </a:fld>
             <a:endParaRPr lang="en-US"/>
           </a:p>
@@ -2592,7 +2664,7 @@
           <a:p>
             <a:fld id="{5F01C6C2-BAC9-472E-ACC5-FF5148ED4A35}" type="datetimeFigureOut">
               <a:rPr lang="en-US" smtClean="0"/>
-              <a:t>11/17/2025</a:t>
+              <a:t>11/24/2025</a:t>
             </a:fld>
             <a:endParaRPr lang="en-US"/>
           </a:p>
@@ -2805,7 +2877,7 @@
           <a:p>
             <a:fld id="{5F01C6C2-BAC9-472E-ACC5-FF5148ED4A35}" type="datetimeFigureOut">
               <a:rPr lang="en-US" smtClean="0"/>
-              <a:t>11/17/2025</a:t>
+              <a:t>11/24/2025</a:t>
             </a:fld>
             <a:endParaRPr lang="en-US"/>
           </a:p>
@@ -3212,10 +3284,10 @@
       </p:grpSpPr>
       <p:pic>
         <p:nvPicPr>
-          <p:cNvPr id="42" name="Picture 41" descr="A comparison of a number of stars&#10;&#10;AI-generated content may be incorrect.">
+          <p:cNvPr id="9" name="Picture 8" descr="A comparison of a number of objects&#10;&#10;AI-generated content may be incorrect.">
             <a:extLst>
               <a:ext uri="{FF2B5EF4-FFF2-40B4-BE49-F238E27FC236}">
-                <a16:creationId xmlns:a16="http://schemas.microsoft.com/office/drawing/2014/main" id="{3F257F0D-94E5-FFBE-3524-2DCED2157CB6}"/>
+                <a16:creationId xmlns:a16="http://schemas.microsoft.com/office/drawing/2014/main" id="{84CCCECD-647E-27BD-6776-9762B63085AC}"/>
               </a:ext>
             </a:extLst>
           </p:cNvPr>
@@ -3260,10 +3332,10 @@
         </p:nvGrpSpPr>
         <p:grpSpPr>
           <a:xfrm>
-            <a:off x="447675" y="2973673"/>
-            <a:ext cx="2162176" cy="302925"/>
-            <a:chOff x="447675" y="2973673"/>
-            <a:chExt cx="2162176" cy="302925"/>
+            <a:off x="567329" y="2973673"/>
+            <a:ext cx="2009183" cy="302925"/>
+            <a:chOff x="567329" y="2973673"/>
+            <a:chExt cx="2009183" cy="302925"/>
           </a:xfrm>
         </p:grpSpPr>
         <p:sp>
@@ -3280,8 +3352,8 @@
           </p:nvSpPr>
           <p:spPr>
             <a:xfrm>
-              <a:off x="447675" y="3156521"/>
-              <a:ext cx="1062038" cy="120077"/>
+              <a:off x="650701" y="3156521"/>
+              <a:ext cx="897112" cy="120077"/>
             </a:xfrm>
             <a:prstGeom prst="rect">
               <a:avLst/>
@@ -3339,8 +3411,8 @@
           </p:nvSpPr>
           <p:spPr>
             <a:xfrm>
-              <a:off x="1509713" y="3146996"/>
-              <a:ext cx="1100138" cy="125701"/>
+              <a:off x="1547813" y="3154680"/>
+              <a:ext cx="962025" cy="118872"/>
             </a:xfrm>
             <a:prstGeom prst="rect">
               <a:avLst/>
@@ -3461,7 +3533,7 @@
           <p:spPr>
             <a:xfrm>
               <a:off x="1595438" y="3142234"/>
-              <a:ext cx="881062" cy="0"/>
+              <a:ext cx="914400" cy="0"/>
             </a:xfrm>
             <a:prstGeom prst="straightConnector1">
               <a:avLst/>
@@ -3505,8 +3577,8 @@
           </p:nvCxnSpPr>
           <p:spPr>
             <a:xfrm flipH="1">
-              <a:off x="620716" y="3142234"/>
-              <a:ext cx="877824" cy="0"/>
+              <a:off x="615521" y="3142234"/>
+              <a:ext cx="914400" cy="0"/>
             </a:xfrm>
             <a:prstGeom prst="straightConnector1">
               <a:avLst/>
@@ -3549,10 +3621,10 @@
         </p:nvGrpSpPr>
         <p:grpSpPr>
           <a:xfrm>
-            <a:off x="2805113" y="2951342"/>
-            <a:ext cx="2162176" cy="318543"/>
-            <a:chOff x="447675" y="2958055"/>
-            <a:chExt cx="2162176" cy="318543"/>
+            <a:off x="2898098" y="2932293"/>
+            <a:ext cx="2009182" cy="341259"/>
+            <a:chOff x="540660" y="2939006"/>
+            <a:chExt cx="2009182" cy="341259"/>
           </a:xfrm>
         </p:grpSpPr>
         <p:sp>
@@ -3569,8 +3641,8 @@
           </p:nvSpPr>
           <p:spPr>
             <a:xfrm>
-              <a:off x="447675" y="3156521"/>
-              <a:ext cx="1062038" cy="120077"/>
+              <a:off x="547687" y="3156521"/>
+              <a:ext cx="962025" cy="120077"/>
             </a:xfrm>
             <a:prstGeom prst="rect">
               <a:avLst/>
@@ -3628,8 +3700,8 @@
           </p:nvSpPr>
           <p:spPr>
             <a:xfrm>
-              <a:off x="1509713" y="3146996"/>
-              <a:ext cx="1100138" cy="125701"/>
+              <a:off x="1509712" y="3161393"/>
+              <a:ext cx="984937" cy="118872"/>
             </a:xfrm>
             <a:prstGeom prst="rect">
               <a:avLst/>
@@ -3686,8 +3758,8 @@
           </p:nvSpPr>
           <p:spPr>
             <a:xfrm>
-              <a:off x="540660" y="2958055"/>
-              <a:ext cx="2009182" cy="125701"/>
+              <a:off x="540660" y="2939006"/>
+              <a:ext cx="2009182" cy="171497"/>
             </a:xfrm>
             <a:prstGeom prst="rect">
               <a:avLst/>
@@ -3749,8 +3821,8 @@
           </p:nvCxnSpPr>
           <p:spPr>
             <a:xfrm>
-              <a:off x="1585444" y="3142234"/>
-              <a:ext cx="881062" cy="0"/>
+              <a:off x="1580249" y="3142234"/>
+              <a:ext cx="914400" cy="0"/>
             </a:xfrm>
             <a:prstGeom prst="straightConnector1">
               <a:avLst/>
@@ -3794,8 +3866,8 @@
           </p:nvCxnSpPr>
           <p:spPr>
             <a:xfrm flipH="1">
-              <a:off x="922338" y="3142234"/>
-              <a:ext cx="531752" cy="0"/>
+              <a:off x="543721" y="3142234"/>
+              <a:ext cx="914400" cy="0"/>
             </a:xfrm>
             <a:prstGeom prst="straightConnector1">
               <a:avLst/>
@@ -3838,7 +3910,7 @@
         </p:nvSpPr>
         <p:spPr>
           <a:xfrm>
-            <a:off x="447675" y="2440844"/>
+            <a:off x="453101" y="2300454"/>
             <a:ext cx="912812" cy="120077"/>
           </a:xfrm>
           <a:prstGeom prst="rect">
@@ -3885,94 +3957,6 @@
       </p:sp>
       <p:sp>
         <p:nvSpPr>
-          <p:cNvPr id="7" name="Freeform: Shape 6">
-            <a:extLst>
-              <a:ext uri="{FF2B5EF4-FFF2-40B4-BE49-F238E27FC236}">
-                <a16:creationId xmlns:a16="http://schemas.microsoft.com/office/drawing/2014/main" id="{EF871D36-BDBB-9A29-97E5-A71496C45A2A}"/>
-              </a:ext>
-            </a:extLst>
-          </p:cNvPr>
-          <p:cNvSpPr/>
-          <p:nvPr/>
-        </p:nvSpPr>
-        <p:spPr>
-          <a:xfrm>
-            <a:off x="447675" y="1774825"/>
-            <a:ext cx="252542" cy="666019"/>
-          </a:xfrm>
-          <a:custGeom>
-            <a:avLst/>
-            <a:gdLst>
-              <a:gd name="connsiteX0" fmla="*/ 203026 w 203026"/>
-              <a:gd name="connsiteY0" fmla="*/ 669925 h 669925"/>
-              <a:gd name="connsiteX1" fmla="*/ 3001 w 203026"/>
-              <a:gd name="connsiteY1" fmla="*/ 184150 h 669925"/>
-              <a:gd name="connsiteX2" fmla="*/ 101426 w 203026"/>
-              <a:gd name="connsiteY2" fmla="*/ 0 h 669925"/>
-            </a:gdLst>
-            <a:ahLst/>
-            <a:cxnLst>
-              <a:cxn ang="0">
-                <a:pos x="connsiteX0" y="connsiteY0"/>
-              </a:cxn>
-              <a:cxn ang="0">
-                <a:pos x="connsiteX1" y="connsiteY1"/>
-              </a:cxn>
-              <a:cxn ang="0">
-                <a:pos x="connsiteX2" y="connsiteY2"/>
-              </a:cxn>
-            </a:cxnLst>
-            <a:rect l="l" t="t" r="r" b="b"/>
-            <a:pathLst>
-              <a:path w="203026" h="669925">
-                <a:moveTo>
-                  <a:pt x="203026" y="669925"/>
-                </a:moveTo>
-                <a:cubicBezTo>
-                  <a:pt x="111480" y="482864"/>
-                  <a:pt x="19934" y="295804"/>
-                  <a:pt x="3001" y="184150"/>
-                </a:cubicBezTo>
-                <a:cubicBezTo>
-                  <a:pt x="-13932" y="72496"/>
-                  <a:pt x="43747" y="36248"/>
-                  <a:pt x="101426" y="0"/>
-                </a:cubicBezTo>
-              </a:path>
-            </a:pathLst>
-          </a:custGeom>
-          <a:noFill/>
-          <a:ln w="6350">
-            <a:tailEnd type="triangle" w="sm" len="sm"/>
-          </a:ln>
-        </p:spPr>
-        <p:style>
-          <a:lnRef idx="2">
-            <a:schemeClr val="accent1">
-              <a:shade val="15000"/>
-            </a:schemeClr>
-          </a:lnRef>
-          <a:fillRef idx="1">
-            <a:schemeClr val="accent1"/>
-          </a:fillRef>
-          <a:effectRef idx="0">
-            <a:schemeClr val="accent1"/>
-          </a:effectRef>
-          <a:fontRef idx="minor">
-            <a:schemeClr val="lt1"/>
-          </a:fontRef>
-        </p:style>
-        <p:txBody>
-          <a:bodyPr rtlCol="0" anchor="ctr"/>
-          <a:lstStyle/>
-          <a:p>
-            <a:pPr algn="ctr"/>
-            <a:endParaRPr lang="en-US"/>
-          </a:p>
-        </p:txBody>
-      </p:sp>
-      <p:sp>
-        <p:nvSpPr>
           <p:cNvPr id="15" name="Rectangle 14">
             <a:extLst>
               <a:ext uri="{FF2B5EF4-FFF2-40B4-BE49-F238E27FC236}">
@@ -3985,7 +3969,7 @@
         </p:nvSpPr>
         <p:spPr>
           <a:xfrm>
-            <a:off x="1570610" y="1828477"/>
+            <a:off x="1565856" y="1754123"/>
             <a:ext cx="768792" cy="120077"/>
           </a:xfrm>
           <a:prstGeom prst="rect">
@@ -4044,7 +4028,7 @@
         </p:nvSpPr>
         <p:spPr>
           <a:xfrm>
-            <a:off x="1869281" y="1708400"/>
+            <a:off x="1861806" y="1634046"/>
             <a:ext cx="793620" cy="120077"/>
           </a:xfrm>
           <a:prstGeom prst="rect">
@@ -4105,8 +4089,8 @@
         </p:nvCxnSpPr>
         <p:spPr>
           <a:xfrm flipH="1" flipV="1">
-            <a:off x="1595438" y="1674019"/>
-            <a:ext cx="359568" cy="78581"/>
+            <a:off x="1614266" y="1596280"/>
+            <a:ext cx="340740" cy="97804"/>
           </a:xfrm>
           <a:prstGeom prst="straightConnector1">
             <a:avLst/>
@@ -4147,8 +4131,8 @@
         </p:nvSpPr>
         <p:spPr>
           <a:xfrm>
-            <a:off x="1042987" y="1478756"/>
-            <a:ext cx="447675" cy="180977"/>
+            <a:off x="1031081" y="1419677"/>
+            <a:ext cx="459581" cy="176860"/>
           </a:xfrm>
           <a:custGeom>
             <a:avLst/>
@@ -4203,6 +4187,9 @@
           </a:custGeom>
           <a:noFill/>
           <a:ln w="6350">
+            <a:solidFill>
+              <a:schemeClr val="tx1"/>
+            </a:solidFill>
             <a:tailEnd type="triangle" w="sm" len="sm"/>
           </a:ln>
         </p:spPr>
@@ -4245,7 +4232,7 @@
         </p:nvSpPr>
         <p:spPr>
           <a:xfrm>
-            <a:off x="650701" y="1413955"/>
+            <a:off x="689241" y="1342970"/>
             <a:ext cx="517612" cy="120077"/>
           </a:xfrm>
           <a:prstGeom prst="rect">
@@ -4306,8 +4293,8 @@
         </p:nvSpPr>
         <p:spPr>
           <a:xfrm>
-            <a:off x="1196888" y="1275788"/>
-            <a:ext cx="903375" cy="120077"/>
+            <a:off x="1725859" y="1298737"/>
+            <a:ext cx="814830" cy="120077"/>
           </a:xfrm>
           <a:prstGeom prst="rect">
             <a:avLst/>
@@ -4367,8 +4354,8 @@
         </p:nvSpPr>
         <p:spPr>
           <a:xfrm>
-            <a:off x="1153171" y="1016598"/>
-            <a:ext cx="874800" cy="125701"/>
+            <a:off x="1206852" y="940698"/>
+            <a:ext cx="814829" cy="125701"/>
           </a:xfrm>
           <a:prstGeom prst="rect">
             <a:avLst/>
@@ -4428,7 +4415,7 @@
         </p:nvSpPr>
         <p:spPr>
           <a:xfrm>
-            <a:off x="1408112" y="2348200"/>
+            <a:off x="1389062" y="2334368"/>
             <a:ext cx="820031" cy="83719"/>
           </a:xfrm>
           <a:prstGeom prst="rect">
@@ -4477,128 +4464,6 @@
       </p:sp>
       <p:sp>
         <p:nvSpPr>
-          <p:cNvPr id="35" name="Rectangle 34">
-            <a:extLst>
-              <a:ext uri="{FF2B5EF4-FFF2-40B4-BE49-F238E27FC236}">
-                <a16:creationId xmlns:a16="http://schemas.microsoft.com/office/drawing/2014/main" id="{9676F0A1-2827-6185-0340-158159904860}"/>
-              </a:ext>
-            </a:extLst>
-          </p:cNvPr>
-          <p:cNvSpPr/>
-          <p:nvPr/>
-        </p:nvSpPr>
-        <p:spPr>
-          <a:xfrm>
-            <a:off x="3513711" y="2164574"/>
-            <a:ext cx="1211705" cy="125701"/>
-          </a:xfrm>
-          <a:prstGeom prst="rect">
-            <a:avLst/>
-          </a:prstGeom>
-          <a:solidFill>
-            <a:srgbClr val="DACFBF"/>
-          </a:solidFill>
-          <a:ln>
-            <a:noFill/>
-          </a:ln>
-        </p:spPr>
-        <p:style>
-          <a:lnRef idx="2">
-            <a:schemeClr val="accent1">
-              <a:shade val="15000"/>
-            </a:schemeClr>
-          </a:lnRef>
-          <a:fillRef idx="1">
-            <a:schemeClr val="accent1"/>
-          </a:fillRef>
-          <a:effectRef idx="0">
-            <a:schemeClr val="accent1"/>
-          </a:effectRef>
-          <a:fontRef idx="minor">
-            <a:schemeClr val="lt1"/>
-          </a:fontRef>
-        </p:style>
-        <p:txBody>
-          <a:bodyPr lIns="0" rIns="0" rtlCol="0" anchor="ctr"/>
-          <a:lstStyle/>
-          <a:p>
-            <a:pPr algn="ctr"/>
-            <a:r>
-              <a:rPr lang="en-US" sz="600" dirty="0">
-                <a:solidFill>
-                  <a:schemeClr val="tx1"/>
-                </a:solidFill>
-                <a:latin typeface="Arial" panose="020B0604020202020204" pitchFamily="34" charset="0"/>
-                <a:cs typeface="Arial" panose="020B0604020202020204" pitchFamily="34" charset="0"/>
-              </a:rPr>
-              <a:t>Northern Saw-whet Owl</a:t>
-            </a:r>
-          </a:p>
-        </p:txBody>
-      </p:sp>
-      <p:sp>
-        <p:nvSpPr>
-          <p:cNvPr id="36" name="Rectangle 35">
-            <a:extLst>
-              <a:ext uri="{FF2B5EF4-FFF2-40B4-BE49-F238E27FC236}">
-                <a16:creationId xmlns:a16="http://schemas.microsoft.com/office/drawing/2014/main" id="{85CFB206-C60C-EA13-2DA0-303936DFAB72}"/>
-              </a:ext>
-            </a:extLst>
-          </p:cNvPr>
-          <p:cNvSpPr/>
-          <p:nvPr/>
-        </p:nvSpPr>
-        <p:spPr>
-          <a:xfrm>
-            <a:off x="3921729" y="1153890"/>
-            <a:ext cx="943356" cy="125701"/>
-          </a:xfrm>
-          <a:prstGeom prst="rect">
-            <a:avLst/>
-          </a:prstGeom>
-          <a:solidFill>
-            <a:srgbClr val="DACFBF"/>
-          </a:solidFill>
-          <a:ln>
-            <a:noFill/>
-          </a:ln>
-        </p:spPr>
-        <p:style>
-          <a:lnRef idx="2">
-            <a:schemeClr val="accent1">
-              <a:shade val="15000"/>
-            </a:schemeClr>
-          </a:lnRef>
-          <a:fillRef idx="1">
-            <a:schemeClr val="accent1"/>
-          </a:fillRef>
-          <a:effectRef idx="0">
-            <a:schemeClr val="accent1"/>
-          </a:effectRef>
-          <a:fontRef idx="minor">
-            <a:schemeClr val="lt1"/>
-          </a:fontRef>
-        </p:style>
-        <p:txBody>
-          <a:bodyPr lIns="0" rIns="0" rtlCol="0" anchor="ctr"/>
-          <a:lstStyle/>
-          <a:p>
-            <a:pPr algn="ctr"/>
-            <a:r>
-              <a:rPr lang="en-US" sz="600" dirty="0">
-                <a:solidFill>
-                  <a:schemeClr val="tx1"/>
-                </a:solidFill>
-                <a:latin typeface="Arial" panose="020B0604020202020204" pitchFamily="34" charset="0"/>
-                <a:cs typeface="Arial" panose="020B0604020202020204" pitchFamily="34" charset="0"/>
-              </a:rPr>
-              <a:t>Northern Saw-whet Owl</a:t>
-            </a:r>
-          </a:p>
-        </p:txBody>
-      </p:sp>
-      <p:sp>
-        <p:nvSpPr>
           <p:cNvPr id="37" name="Rectangle 36">
             <a:extLst>
               <a:ext uri="{FF2B5EF4-FFF2-40B4-BE49-F238E27FC236}">
@@ -4611,7 +4476,7 @@
         </p:nvSpPr>
         <p:spPr>
           <a:xfrm>
-            <a:off x="3811528" y="952146"/>
+            <a:off x="4071037" y="1066399"/>
             <a:ext cx="781050" cy="125701"/>
           </a:xfrm>
           <a:prstGeom prst="rect">
@@ -4672,8 +4537,8 @@
         </p:nvSpPr>
         <p:spPr>
           <a:xfrm>
-            <a:off x="3212307" y="621613"/>
-            <a:ext cx="907257" cy="125701"/>
+            <a:off x="3224213" y="716366"/>
+            <a:ext cx="907257" cy="90875"/>
           </a:xfrm>
           <a:prstGeom prst="rect">
             <a:avLst/>
@@ -4733,7 +4598,7 @@
         </p:nvSpPr>
         <p:spPr>
           <a:xfrm>
-            <a:off x="588081" y="1997815"/>
+            <a:off x="689241" y="1883150"/>
             <a:ext cx="820031" cy="83719"/>
           </a:xfrm>
           <a:prstGeom prst="rect">
@@ -4794,7 +4659,7 @@
         </p:nvSpPr>
         <p:spPr>
           <a:xfrm>
-            <a:off x="745200" y="522508"/>
+            <a:off x="755165" y="589275"/>
             <a:ext cx="903375" cy="133535"/>
           </a:xfrm>
           <a:prstGeom prst="rect">
@@ -4837,6 +4702,341 @@
                 <a:cs typeface="Arial" panose="020B0604020202020204" pitchFamily="34" charset="0"/>
               </a:rPr>
               <a:t>White-breasted Nuthatch</a:t>
+            </a:r>
+          </a:p>
+        </p:txBody>
+      </p:sp>
+      <p:sp>
+        <p:nvSpPr>
+          <p:cNvPr id="13" name="Freeform: Shape 12">
+            <a:extLst>
+              <a:ext uri="{FF2B5EF4-FFF2-40B4-BE49-F238E27FC236}">
+                <a16:creationId xmlns:a16="http://schemas.microsoft.com/office/drawing/2014/main" id="{E4A6A06D-CBA6-AD3F-D6F2-BC63813FFB55}"/>
+              </a:ext>
+            </a:extLst>
+          </p:cNvPr>
+          <p:cNvSpPr/>
+          <p:nvPr/>
+        </p:nvSpPr>
+        <p:spPr>
+          <a:xfrm>
+            <a:off x="469318" y="1674019"/>
+            <a:ext cx="252201" cy="652462"/>
+          </a:xfrm>
+          <a:custGeom>
+            <a:avLst/>
+            <a:gdLst>
+              <a:gd name="connsiteX0" fmla="*/ 252201 w 252201"/>
+              <a:gd name="connsiteY0" fmla="*/ 652462 h 652462"/>
+              <a:gd name="connsiteX1" fmla="*/ 9313 w 252201"/>
+              <a:gd name="connsiteY1" fmla="*/ 133350 h 652462"/>
+              <a:gd name="connsiteX2" fmla="*/ 73607 w 252201"/>
+              <a:gd name="connsiteY2" fmla="*/ 0 h 652462"/>
+            </a:gdLst>
+            <a:ahLst/>
+            <a:cxnLst>
+              <a:cxn ang="0">
+                <a:pos x="connsiteX0" y="connsiteY0"/>
+              </a:cxn>
+              <a:cxn ang="0">
+                <a:pos x="connsiteX1" y="connsiteY1"/>
+              </a:cxn>
+              <a:cxn ang="0">
+                <a:pos x="connsiteX2" y="connsiteY2"/>
+              </a:cxn>
+            </a:cxnLst>
+            <a:rect l="l" t="t" r="r" b="b"/>
+            <a:pathLst>
+              <a:path w="252201" h="652462">
+                <a:moveTo>
+                  <a:pt x="252201" y="652462"/>
+                </a:moveTo>
+                <a:cubicBezTo>
+                  <a:pt x="145640" y="447278"/>
+                  <a:pt x="39079" y="242094"/>
+                  <a:pt x="9313" y="133350"/>
+                </a:cubicBezTo>
+                <a:cubicBezTo>
+                  <a:pt x="-20453" y="24606"/>
+                  <a:pt x="26577" y="12303"/>
+                  <a:pt x="73607" y="0"/>
+                </a:cubicBezTo>
+              </a:path>
+            </a:pathLst>
+          </a:custGeom>
+          <a:noFill/>
+          <a:ln w="6350">
+            <a:solidFill>
+              <a:schemeClr val="tx1"/>
+            </a:solidFill>
+            <a:tailEnd type="triangle" w="sm" len="sm"/>
+          </a:ln>
+        </p:spPr>
+        <p:style>
+          <a:lnRef idx="2">
+            <a:schemeClr val="accent1">
+              <a:shade val="15000"/>
+            </a:schemeClr>
+          </a:lnRef>
+          <a:fillRef idx="1">
+            <a:schemeClr val="accent1"/>
+          </a:fillRef>
+          <a:effectRef idx="0">
+            <a:schemeClr val="accent1"/>
+          </a:effectRef>
+          <a:fontRef idx="minor">
+            <a:schemeClr val="lt1"/>
+          </a:fontRef>
+        </p:style>
+        <p:txBody>
+          <a:bodyPr rtlCol="0" anchor="ctr"/>
+          <a:lstStyle/>
+          <a:p>
+            <a:pPr algn="ctr"/>
+            <a:endParaRPr lang="en-US"/>
+          </a:p>
+        </p:txBody>
+      </p:sp>
+      <p:sp>
+        <p:nvSpPr>
+          <p:cNvPr id="25" name="Rectangle 24">
+            <a:extLst>
+              <a:ext uri="{FF2B5EF4-FFF2-40B4-BE49-F238E27FC236}">
+                <a16:creationId xmlns:a16="http://schemas.microsoft.com/office/drawing/2014/main" id="{9A9FB039-71F6-E282-3BA9-691A899841CC}"/>
+              </a:ext>
+            </a:extLst>
+          </p:cNvPr>
+          <p:cNvSpPr/>
+          <p:nvPr/>
+        </p:nvSpPr>
+        <p:spPr>
+          <a:xfrm>
+            <a:off x="615521" y="813495"/>
+            <a:ext cx="490449" cy="125701"/>
+          </a:xfrm>
+          <a:prstGeom prst="rect">
+            <a:avLst/>
+          </a:prstGeom>
+          <a:solidFill>
+            <a:srgbClr val="BACFCF"/>
+          </a:solidFill>
+          <a:ln>
+            <a:noFill/>
+          </a:ln>
+        </p:spPr>
+        <p:style>
+          <a:lnRef idx="2">
+            <a:schemeClr val="accent1">
+              <a:shade val="15000"/>
+            </a:schemeClr>
+          </a:lnRef>
+          <a:fillRef idx="1">
+            <a:schemeClr val="accent1"/>
+          </a:fillRef>
+          <a:effectRef idx="0">
+            <a:schemeClr val="accent1"/>
+          </a:effectRef>
+          <a:fontRef idx="minor">
+            <a:schemeClr val="lt1"/>
+          </a:fontRef>
+        </p:style>
+        <p:txBody>
+          <a:bodyPr lIns="0" rIns="0" rtlCol="0" anchor="ctr"/>
+          <a:lstStyle/>
+          <a:p>
+            <a:pPr algn="ctr"/>
+            <a:r>
+              <a:rPr lang="en-US" sz="600" dirty="0">
+                <a:solidFill>
+                  <a:srgbClr val="999999"/>
+                </a:solidFill>
+                <a:latin typeface="Arial" panose="020B0604020202020204" pitchFamily="34" charset="0"/>
+                <a:cs typeface="Arial" panose="020B0604020202020204" pitchFamily="34" charset="0"/>
+              </a:rPr>
+              <a:t>Tree Swallow</a:t>
+            </a:r>
+          </a:p>
+        </p:txBody>
+      </p:sp>
+      <p:sp>
+        <p:nvSpPr>
+          <p:cNvPr id="30" name="Rectangle 29">
+            <a:extLst>
+              <a:ext uri="{FF2B5EF4-FFF2-40B4-BE49-F238E27FC236}">
+                <a16:creationId xmlns:a16="http://schemas.microsoft.com/office/drawing/2014/main" id="{FC537EA4-C357-4D77-3454-4CB70A57AAD2}"/>
+              </a:ext>
+            </a:extLst>
+          </p:cNvPr>
+          <p:cNvSpPr/>
+          <p:nvPr/>
+        </p:nvSpPr>
+        <p:spPr>
+          <a:xfrm>
+            <a:off x="1742943" y="1499811"/>
+            <a:ext cx="856544" cy="97804"/>
+          </a:xfrm>
+          <a:prstGeom prst="rect">
+            <a:avLst/>
+          </a:prstGeom>
+          <a:solidFill>
+            <a:srgbClr val="DACFBF"/>
+          </a:solidFill>
+          <a:ln>
+            <a:noFill/>
+          </a:ln>
+        </p:spPr>
+        <p:style>
+          <a:lnRef idx="2">
+            <a:schemeClr val="accent1">
+              <a:shade val="15000"/>
+            </a:schemeClr>
+          </a:lnRef>
+          <a:fillRef idx="1">
+            <a:schemeClr val="accent1"/>
+          </a:fillRef>
+          <a:effectRef idx="0">
+            <a:schemeClr val="accent1"/>
+          </a:effectRef>
+          <a:fontRef idx="minor">
+            <a:schemeClr val="lt1"/>
+          </a:fontRef>
+        </p:style>
+        <p:txBody>
+          <a:bodyPr lIns="0" rIns="0" rtlCol="0" anchor="ctr"/>
+          <a:lstStyle/>
+          <a:p>
+            <a:pPr algn="ctr"/>
+            <a:r>
+              <a:rPr lang="en-US" sz="600" dirty="0">
+                <a:solidFill>
+                  <a:schemeClr val="tx1"/>
+                </a:solidFill>
+                <a:latin typeface="Arial" panose="020B0604020202020204" pitchFamily="34" charset="0"/>
+                <a:cs typeface="Arial" panose="020B0604020202020204" pitchFamily="34" charset="0"/>
+              </a:rPr>
+              <a:t>Great Crested Flycatcher</a:t>
+            </a:r>
+          </a:p>
+        </p:txBody>
+      </p:sp>
+      <p:sp>
+        <p:nvSpPr>
+          <p:cNvPr id="39" name="Rectangle 38">
+            <a:extLst>
+              <a:ext uri="{FF2B5EF4-FFF2-40B4-BE49-F238E27FC236}">
+                <a16:creationId xmlns:a16="http://schemas.microsoft.com/office/drawing/2014/main" id="{9FD5D765-D0DE-5687-7A54-46621917591A}"/>
+              </a:ext>
+            </a:extLst>
+          </p:cNvPr>
+          <p:cNvSpPr/>
+          <p:nvPr/>
+        </p:nvSpPr>
+        <p:spPr>
+          <a:xfrm>
+            <a:off x="1276349" y="1194049"/>
+            <a:ext cx="932743" cy="125701"/>
+          </a:xfrm>
+          <a:prstGeom prst="rect">
+            <a:avLst/>
+          </a:prstGeom>
+          <a:solidFill>
+            <a:srgbClr val="DACFBF"/>
+          </a:solidFill>
+          <a:ln>
+            <a:noFill/>
+          </a:ln>
+        </p:spPr>
+        <p:style>
+          <a:lnRef idx="2">
+            <a:schemeClr val="accent1">
+              <a:shade val="15000"/>
+            </a:schemeClr>
+          </a:lnRef>
+          <a:fillRef idx="1">
+            <a:schemeClr val="accent1"/>
+          </a:fillRef>
+          <a:effectRef idx="0">
+            <a:schemeClr val="accent1"/>
+          </a:effectRef>
+          <a:fontRef idx="minor">
+            <a:schemeClr val="lt1"/>
+          </a:fontRef>
+        </p:style>
+        <p:txBody>
+          <a:bodyPr lIns="0" rIns="0" rtlCol="0" anchor="ctr"/>
+          <a:lstStyle/>
+          <a:p>
+            <a:pPr algn="ctr"/>
+            <a:r>
+              <a:rPr lang="en-US" sz="600" dirty="0">
+                <a:solidFill>
+                  <a:srgbClr val="999999"/>
+                </a:solidFill>
+                <a:latin typeface="Arial" panose="020B0604020202020204" pitchFamily="34" charset="0"/>
+                <a:cs typeface="Arial" panose="020B0604020202020204" pitchFamily="34" charset="0"/>
+              </a:rPr>
+              <a:t>Brown-crested Flycatcher</a:t>
+            </a:r>
+          </a:p>
+        </p:txBody>
+      </p:sp>
+      <p:sp>
+        <p:nvSpPr>
+          <p:cNvPr id="40" name="Rectangle 39">
+            <a:extLst>
+              <a:ext uri="{FF2B5EF4-FFF2-40B4-BE49-F238E27FC236}">
+                <a16:creationId xmlns:a16="http://schemas.microsoft.com/office/drawing/2014/main" id="{C947D9EC-ECDA-74CA-E5B7-010A3950C60F}"/>
+              </a:ext>
+            </a:extLst>
+          </p:cNvPr>
+          <p:cNvSpPr/>
+          <p:nvPr/>
+        </p:nvSpPr>
+        <p:spPr>
+          <a:xfrm>
+            <a:off x="3007521" y="1066399"/>
+            <a:ext cx="907256" cy="93971"/>
+          </a:xfrm>
+          <a:prstGeom prst="rect">
+            <a:avLst/>
+          </a:prstGeom>
+          <a:solidFill>
+            <a:srgbClr val="DACFBF"/>
+          </a:solidFill>
+          <a:ln>
+            <a:noFill/>
+          </a:ln>
+        </p:spPr>
+        <p:style>
+          <a:lnRef idx="2">
+            <a:schemeClr val="accent1">
+              <a:shade val="15000"/>
+            </a:schemeClr>
+          </a:lnRef>
+          <a:fillRef idx="1">
+            <a:schemeClr val="accent1"/>
+          </a:fillRef>
+          <a:effectRef idx="0">
+            <a:schemeClr val="accent1"/>
+          </a:effectRef>
+          <a:fontRef idx="minor">
+            <a:schemeClr val="lt1"/>
+          </a:fontRef>
+        </p:style>
+        <p:txBody>
+          <a:bodyPr lIns="0" rIns="0" rtlCol="0" anchor="ctr"/>
+          <a:lstStyle/>
+          <a:p>
+            <a:pPr algn="ctr"/>
+            <a:r>
+              <a:rPr lang="en-US" sz="600" dirty="0">
+                <a:solidFill>
+                  <a:srgbClr val="999999"/>
+                </a:solidFill>
+                <a:latin typeface="Arial" panose="020B0604020202020204" pitchFamily="34" charset="0"/>
+                <a:cs typeface="Arial" panose="020B0604020202020204" pitchFamily="34" charset="0"/>
+              </a:rPr>
+              <a:t>Northern Pygmy-Owl</a:t>
             </a:r>
           </a:p>
         </p:txBody>
